--- a/webinar/demos/tracker/tracker-powerpoint.pptx
+++ b/webinar/demos/tracker/tracker-powerpoint.pptx
@@ -3776,7 +3776,7 @@
             </a:pPr>
             <a:r>
               <a:rPr/>
-              <a:t>2018-11-27</a:t>
+              <a:t>2018-11-28</a:t>
             </a:r>
           </a:p>
         </p:txBody>
